--- a/Capa de Presentación.pptx
+++ b/Capa de Presentación.pptx
@@ -5,7 +5,7 @@
     <p:sldMasterId id="2147483648" r:id="rId1"/>
   </p:sldMasterIdLst>
   <p:notesMasterIdLst>
-    <p:notesMasterId r:id="rId34"/>
+    <p:notesMasterId r:id="rId32"/>
   </p:notesMasterIdLst>
   <p:sldIdLst>
     <p:sldId id="256" r:id="rId2"/>
@@ -35,11 +35,9 @@
     <p:sldId id="280" r:id="rId26"/>
     <p:sldId id="283" r:id="rId27"/>
     <p:sldId id="282" r:id="rId28"/>
-    <p:sldId id="284" r:id="rId29"/>
-    <p:sldId id="285" r:id="rId30"/>
-    <p:sldId id="286" r:id="rId31"/>
-    <p:sldId id="287" r:id="rId32"/>
-    <p:sldId id="288" r:id="rId33"/>
+    <p:sldId id="286" r:id="rId29"/>
+    <p:sldId id="287" r:id="rId30"/>
+    <p:sldId id="288" r:id="rId31"/>
   </p:sldIdLst>
   <p:sldSz cx="12192000" cy="6858000"/>
   <p:notesSz cx="6858000" cy="9144000"/>
@@ -138,6 +136,11 @@
       </a:defRPr>
     </a:lvl9pPr>
   </p:defaultTextStyle>
+  <p:extLst>
+    <p:ext uri="{EFAFB233-063F-42B5-8137-9DF3F51BA10A}">
+      <p15:sldGuideLst xmlns:p15="http://schemas.microsoft.com/office/powerpoint/2012/main"/>
+    </p:ext>
+  </p:extLst>
 </p:presentation>
 </file>
 
@@ -223,7 +226,7 @@
           <a:p>
             <a:fld id="{0A224CAC-E326-4F97-8620-DFD100AABB1D}" type="datetimeFigureOut">
               <a:rPr lang="es-UY" smtClean="0"/>
-              <a:t>2/5/2016</a:t>
+              <a:t>4/5/2016</a:t>
             </a:fld>
             <a:endParaRPr lang="es-UY"/>
           </a:p>
@@ -857,7 +860,7 @@
           <a:p>
             <a:fld id="{4AAD347D-5ACD-4C99-B74B-A9C85AD731AF}" type="datetimeFigureOut">
               <a:rPr lang="en-US" dirty="0"/>
-              <a:t>02-May-16</a:t>
+              <a:t>04-May-16</a:t>
             </a:fld>
             <a:endParaRPr lang="en-US" dirty="0"/>
           </a:p>
@@ -1127,7 +1130,7 @@
           <a:p>
             <a:fld id="{4509A250-FF31-4206-8172-F9D3106AACB1}" type="datetimeFigureOut">
               <a:rPr lang="en-US" dirty="0"/>
-              <a:t>02-May-16</a:t>
+              <a:t>04-May-16</a:t>
             </a:fld>
             <a:endParaRPr lang="en-US" dirty="0"/>
           </a:p>
@@ -1316,7 +1319,7 @@
           <a:p>
             <a:fld id="{4509A250-FF31-4206-8172-F9D3106AACB1}" type="datetimeFigureOut">
               <a:rPr lang="en-US" dirty="0"/>
-              <a:t>02-May-16</a:t>
+              <a:t>04-May-16</a:t>
             </a:fld>
             <a:endParaRPr lang="en-US" dirty="0"/>
           </a:p>
@@ -1579,7 +1582,7 @@
           <a:p>
             <a:fld id="{4509A250-FF31-4206-8172-F9D3106AACB1}" type="datetimeFigureOut">
               <a:rPr lang="en-US" dirty="0"/>
-              <a:t>02-May-16</a:t>
+              <a:t>04-May-16</a:t>
             </a:fld>
             <a:endParaRPr lang="en-US" dirty="0"/>
           </a:p>
@@ -1906,7 +1909,7 @@
           <a:p>
             <a:fld id="{4509A250-FF31-4206-8172-F9D3106AACB1}" type="datetimeFigureOut">
               <a:rPr lang="en-US" dirty="0"/>
-              <a:t>02-May-16</a:t>
+              <a:t>04-May-16</a:t>
             </a:fld>
             <a:endParaRPr lang="en-US" dirty="0"/>
           </a:p>
@@ -2511,7 +2514,7 @@
           <a:p>
             <a:fld id="{4509A250-FF31-4206-8172-F9D3106AACB1}" type="datetimeFigureOut">
               <a:rPr lang="en-US" dirty="0"/>
-              <a:t>02-May-16</a:t>
+              <a:t>04-May-16</a:t>
             </a:fld>
             <a:endParaRPr lang="en-US" dirty="0"/>
           </a:p>
@@ -3353,7 +3356,7 @@
           <a:p>
             <a:fld id="{4509A250-FF31-4206-8172-F9D3106AACB1}" type="datetimeFigureOut">
               <a:rPr lang="en-US" dirty="0"/>
-              <a:t>02-May-16</a:t>
+              <a:t>04-May-16</a:t>
             </a:fld>
             <a:endParaRPr lang="en-US" dirty="0"/>
           </a:p>
@@ -3518,7 +3521,7 @@
           <a:p>
             <a:fld id="{4509A250-FF31-4206-8172-F9D3106AACB1}" type="datetimeFigureOut">
               <a:rPr lang="en-US" dirty="0"/>
-              <a:t>02-May-16</a:t>
+              <a:t>04-May-16</a:t>
             </a:fld>
             <a:endParaRPr lang="en-US" dirty="0"/>
           </a:p>
@@ -3693,7 +3696,7 @@
           <a:p>
             <a:fld id="{4509A250-FF31-4206-8172-F9D3106AACB1}" type="datetimeFigureOut">
               <a:rPr lang="en-US" dirty="0"/>
-              <a:t>02-May-16</a:t>
+              <a:t>04-May-16</a:t>
             </a:fld>
             <a:endParaRPr lang="en-US" dirty="0"/>
           </a:p>
@@ -3858,7 +3861,7 @@
           <a:p>
             <a:fld id="{4509A250-FF31-4206-8172-F9D3106AACB1}" type="datetimeFigureOut">
               <a:rPr lang="en-US" dirty="0"/>
-              <a:t>02-May-16</a:t>
+              <a:t>04-May-16</a:t>
             </a:fld>
             <a:endParaRPr lang="en-US" dirty="0"/>
           </a:p>
@@ -4097,7 +4100,7 @@
           <a:p>
             <a:fld id="{4509A250-FF31-4206-8172-F9D3106AACB1}" type="datetimeFigureOut">
               <a:rPr lang="en-US" dirty="0"/>
-              <a:t>02-May-16</a:t>
+              <a:t>04-May-16</a:t>
             </a:fld>
             <a:endParaRPr lang="en-US" dirty="0"/>
           </a:p>
@@ -4384,7 +4387,7 @@
           <a:p>
             <a:fld id="{4509A250-FF31-4206-8172-F9D3106AACB1}" type="datetimeFigureOut">
               <a:rPr lang="en-US" dirty="0"/>
-              <a:t>02-May-16</a:t>
+              <a:t>04-May-16</a:t>
             </a:fld>
             <a:endParaRPr lang="en-US" dirty="0"/>
           </a:p>
@@ -4817,7 +4820,7 @@
           <a:p>
             <a:fld id="{4509A250-FF31-4206-8172-F9D3106AACB1}" type="datetimeFigureOut">
               <a:rPr lang="en-US" dirty="0"/>
-              <a:t>02-May-16</a:t>
+              <a:t>04-May-16</a:t>
             </a:fld>
             <a:endParaRPr lang="en-US" dirty="0"/>
           </a:p>
@@ -4930,7 +4933,7 @@
           <a:p>
             <a:fld id="{4509A250-FF31-4206-8172-F9D3106AACB1}" type="datetimeFigureOut">
               <a:rPr lang="en-US" dirty="0"/>
-              <a:t>02-May-16</a:t>
+              <a:t>04-May-16</a:t>
             </a:fld>
             <a:endParaRPr lang="en-US" dirty="0"/>
           </a:p>
@@ -5020,7 +5023,7 @@
           <a:p>
             <a:fld id="{4509A250-FF31-4206-8172-F9D3106AACB1}" type="datetimeFigureOut">
               <a:rPr lang="en-US" dirty="0"/>
-              <a:t>02-May-16</a:t>
+              <a:t>04-May-16</a:t>
             </a:fld>
             <a:endParaRPr lang="en-US" dirty="0"/>
           </a:p>
@@ -5294,7 +5297,7 @@
           <a:p>
             <a:fld id="{4509A250-FF31-4206-8172-F9D3106AACB1}" type="datetimeFigureOut">
               <a:rPr lang="en-US" dirty="0"/>
-              <a:t>02-May-16</a:t>
+              <a:t>04-May-16</a:t>
             </a:fld>
             <a:endParaRPr lang="en-US" dirty="0"/>
           </a:p>
@@ -5564,7 +5567,7 @@
           <a:p>
             <a:fld id="{4509A250-FF31-4206-8172-F9D3106AACB1}" type="datetimeFigureOut">
               <a:rPr lang="en-US" dirty="0"/>
-              <a:t>02-May-16</a:t>
+              <a:t>04-May-16</a:t>
             </a:fld>
             <a:endParaRPr lang="en-US" dirty="0"/>
           </a:p>
@@ -5988,7 +5991,7 @@
           <a:p>
             <a:fld id="{4509A250-FF31-4206-8172-F9D3106AACB1}" type="datetimeFigureOut">
               <a:rPr lang="en-US" dirty="0"/>
-              <a:t>02-May-16</a:t>
+              <a:t>04-May-16</a:t>
             </a:fld>
             <a:endParaRPr lang="en-US" dirty="0"/>
           </a:p>
@@ -9162,8 +9165,8 @@
         </p:nvSpPr>
         <p:spPr>
           <a:xfrm>
-            <a:off x="1384665" y="1459523"/>
-            <a:ext cx="9404723" cy="3833446"/>
+            <a:off x="1683603" y="2422195"/>
+            <a:ext cx="9404723" cy="1400530"/>
           </a:xfrm>
         </p:spPr>
         <p:txBody>
@@ -9172,26 +9175,8 @@
           <a:p>
             <a:pPr algn="ctr"/>
             <a:r>
-              <a:rPr lang="en-US" sz="8000" dirty="0" err="1" smtClean="0"/>
-              <a:t>Globalización</a:t>
-            </a:r>
-            <a:r>
               <a:rPr lang="en-US" sz="8000" dirty="0" smtClean="0"/>
-              <a:t/>
-            </a:r>
-            <a:br>
-              <a:rPr lang="en-US" sz="8000" dirty="0" smtClean="0"/>
-            </a:br>
-            <a:r>
-              <a:rPr lang="en-US" sz="8000" dirty="0" smtClean="0"/>
-              <a:t>y</a:t>
-            </a:r>
-            <a:br>
-              <a:rPr lang="en-US" sz="8000" dirty="0" smtClean="0"/>
-            </a:br>
-            <a:r>
-              <a:rPr lang="en-US" sz="8000" dirty="0" err="1" smtClean="0"/>
-              <a:t>Localización</a:t>
+              <a:t>DEMO TIME</a:t>
             </a:r>
             <a:endParaRPr lang="es-UY" sz="8000" dirty="0"/>
           </a:p>
@@ -9200,7 +9185,7 @@
     </p:spTree>
     <p:extLst>
       <p:ext uri="{BB962C8B-B14F-4D97-AF65-F5344CB8AC3E}">
-        <p14:creationId xmlns:p14="http://schemas.microsoft.com/office/powerpoint/2010/main" val="818469391"/>
+        <p14:creationId xmlns:p14="http://schemas.microsoft.com/office/powerpoint/2010/main" val="3607160034"/>
       </p:ext>
     </p:extLst>
   </p:cSld>
@@ -9237,144 +9222,29 @@
             <p:ph type="title"/>
           </p:nvPr>
         </p:nvSpPr>
-        <p:spPr/>
+        <p:spPr>
+          <a:xfrm>
+            <a:off x="1648434" y="2492534"/>
+            <a:ext cx="9404723" cy="1400530"/>
+          </a:xfrm>
+        </p:spPr>
         <p:txBody>
           <a:bodyPr/>
           <a:lstStyle/>
           <a:p>
-            <a:r>
-              <a:rPr lang="en-US" dirty="0" err="1" smtClean="0"/>
-              <a:t>Definición</a:t>
-            </a:r>
-            <a:endParaRPr lang="es-UY" dirty="0"/>
-          </a:p>
-        </p:txBody>
-      </p:sp>
-      <p:sp>
-        <p:nvSpPr>
-          <p:cNvPr id="3" name="Content Placeholder 2"/>
-          <p:cNvSpPr>
-            <a:spLocks noGrp="1"/>
-          </p:cNvSpPr>
-          <p:nvPr>
-            <p:ph idx="1"/>
-          </p:nvPr>
-        </p:nvSpPr>
-        <p:spPr/>
-        <p:txBody>
-          <a:bodyPr>
-            <a:noAutofit/>
-          </a:bodyPr>
-          <a:lstStyle/>
-          <a:p>
-            <a:r>
-              <a:rPr lang="en-US" sz="3200" dirty="0" err="1" smtClean="0"/>
-              <a:t>Globalización</a:t>
-            </a:r>
-            <a:r>
-              <a:rPr lang="en-US" sz="3200" dirty="0" smtClean="0"/>
-              <a:t> (</a:t>
-            </a:r>
-            <a:r>
-              <a:rPr lang="en-US" sz="3200" dirty="0" err="1" smtClean="0"/>
-              <a:t>Internacionalizacion</a:t>
-            </a:r>
-            <a:r>
-              <a:rPr lang="en-US" sz="3200" dirty="0" smtClean="0"/>
-              <a:t>):</a:t>
-            </a:r>
-          </a:p>
-          <a:p>
-            <a:pPr lvl="1"/>
-            <a:r>
-              <a:rPr lang="en-US" sz="3200" dirty="0" err="1" smtClean="0"/>
-              <a:t>Varios</a:t>
-            </a:r>
-            <a:r>
-              <a:rPr lang="en-US" sz="3200" dirty="0" smtClean="0"/>
-              <a:t> </a:t>
-            </a:r>
-            <a:r>
-              <a:rPr lang="en-US" sz="3200" dirty="0" err="1" smtClean="0"/>
-              <a:t>Lenguajes</a:t>
-            </a:r>
-            <a:endParaRPr lang="en-US" sz="3200" dirty="0" smtClean="0"/>
-          </a:p>
-          <a:p>
-            <a:r>
-              <a:rPr lang="en-US" sz="3200" dirty="0" err="1" smtClean="0"/>
-              <a:t>Localización</a:t>
-            </a:r>
-            <a:r>
-              <a:rPr lang="en-US" sz="3200" dirty="0" smtClean="0"/>
-              <a:t>:</a:t>
-            </a:r>
-          </a:p>
-          <a:p>
-            <a:pPr lvl="1"/>
-            <a:r>
-              <a:rPr lang="en-US" sz="3200" dirty="0" err="1" smtClean="0"/>
-              <a:t>Componentes</a:t>
-            </a:r>
-            <a:r>
-              <a:rPr lang="en-US" sz="3200" dirty="0" smtClean="0"/>
-              <a:t> </a:t>
-            </a:r>
-            <a:r>
-              <a:rPr lang="en-US" sz="3200" dirty="0" err="1" smtClean="0"/>
-              <a:t>dependiendo</a:t>
-            </a:r>
-            <a:r>
-              <a:rPr lang="en-US" sz="3200" dirty="0" smtClean="0"/>
-              <a:t> del locale:</a:t>
-            </a:r>
-          </a:p>
-          <a:p>
-            <a:pPr lvl="2"/>
-            <a:r>
-              <a:rPr lang="en-US" sz="3200" dirty="0" err="1" smtClean="0"/>
-              <a:t>Formato</a:t>
-            </a:r>
-            <a:r>
-              <a:rPr lang="en-US" sz="3200" dirty="0" smtClean="0"/>
-              <a:t> de </a:t>
-            </a:r>
-            <a:r>
-              <a:rPr lang="en-US" sz="3200" dirty="0" err="1" smtClean="0"/>
-              <a:t>números</a:t>
-            </a:r>
-            <a:endParaRPr lang="en-US" sz="3200" dirty="0" smtClean="0"/>
-          </a:p>
-          <a:p>
-            <a:pPr lvl="2"/>
-            <a:r>
-              <a:rPr lang="en-US" sz="3200" dirty="0" err="1" smtClean="0"/>
-              <a:t>Formato</a:t>
-            </a:r>
-            <a:r>
-              <a:rPr lang="en-US" sz="3200" dirty="0" smtClean="0"/>
-              <a:t> de </a:t>
-            </a:r>
-            <a:r>
-              <a:rPr lang="en-US" sz="3200" dirty="0" err="1" smtClean="0"/>
-              <a:t>fechas</a:t>
-            </a:r>
-            <a:endParaRPr lang="en-US" sz="3200" dirty="0" smtClean="0"/>
-          </a:p>
-          <a:p>
-            <a:pPr lvl="2"/>
-            <a:r>
-              <a:rPr lang="en-US" sz="3200" dirty="0" err="1" smtClean="0"/>
-              <a:t>etc</a:t>
-            </a:r>
-            <a:endParaRPr lang="es-UY" sz="3200" dirty="0"/>
+            <a:pPr algn="ctr"/>
+            <a:r>
+              <a:rPr lang="en-US" sz="8000" dirty="0" smtClean="0"/>
+              <a:t>PREGUNTAS?</a:t>
+            </a:r>
+            <a:endParaRPr lang="es-UY" sz="8000" dirty="0"/>
           </a:p>
         </p:txBody>
       </p:sp>
     </p:spTree>
     <p:extLst>
       <p:ext uri="{BB962C8B-B14F-4D97-AF65-F5344CB8AC3E}">
-        <p14:creationId xmlns:p14="http://schemas.microsoft.com/office/powerpoint/2010/main" val="2955475096"/>
+        <p14:creationId xmlns:p14="http://schemas.microsoft.com/office/powerpoint/2010/main" val="3905937416"/>
       </p:ext>
     </p:extLst>
   </p:cSld>
@@ -9494,124 +9364,6 @@
 </file>
 
 <file path=ppt/slides/slide30.xml><?xml version="1.0" encoding="utf-8"?>
-<p:sld xmlns:a="http://schemas.openxmlformats.org/drawingml/2006/main" xmlns:r="http://schemas.openxmlformats.org/officeDocument/2006/relationships" xmlns:p="http://schemas.openxmlformats.org/presentationml/2006/main">
-  <p:cSld>
-    <p:spTree>
-      <p:nvGrpSpPr>
-        <p:cNvPr id="1" name=""/>
-        <p:cNvGrpSpPr/>
-        <p:nvPr/>
-      </p:nvGrpSpPr>
-      <p:grpSpPr>
-        <a:xfrm>
-          <a:off x="0" y="0"/>
-          <a:ext cx="0" cy="0"/>
-          <a:chOff x="0" y="0"/>
-          <a:chExt cx="0" cy="0"/>
-        </a:xfrm>
-      </p:grpSpPr>
-      <p:sp>
-        <p:nvSpPr>
-          <p:cNvPr id="4" name="Title 3"/>
-          <p:cNvSpPr>
-            <a:spLocks noGrp="1"/>
-          </p:cNvSpPr>
-          <p:nvPr>
-            <p:ph type="title"/>
-          </p:nvPr>
-        </p:nvSpPr>
-        <p:spPr>
-          <a:xfrm>
-            <a:off x="1683603" y="2422195"/>
-            <a:ext cx="9404723" cy="1400530"/>
-          </a:xfrm>
-        </p:spPr>
-        <p:txBody>
-          <a:bodyPr/>
-          <a:lstStyle/>
-          <a:p>
-            <a:pPr algn="ctr"/>
-            <a:r>
-              <a:rPr lang="en-US" sz="8000" dirty="0" smtClean="0"/>
-              <a:t>DEMO TIME</a:t>
-            </a:r>
-            <a:endParaRPr lang="es-UY" sz="8000" dirty="0"/>
-          </a:p>
-        </p:txBody>
-      </p:sp>
-    </p:spTree>
-    <p:extLst>
-      <p:ext uri="{BB962C8B-B14F-4D97-AF65-F5344CB8AC3E}">
-        <p14:creationId xmlns:p14="http://schemas.microsoft.com/office/powerpoint/2010/main" val="3607160034"/>
-      </p:ext>
-    </p:extLst>
-  </p:cSld>
-  <p:clrMapOvr>
-    <a:masterClrMapping/>
-  </p:clrMapOvr>
-</p:sld>
-</file>
-
-<file path=ppt/slides/slide31.xml><?xml version="1.0" encoding="utf-8"?>
-<p:sld xmlns:a="http://schemas.openxmlformats.org/drawingml/2006/main" xmlns:r="http://schemas.openxmlformats.org/officeDocument/2006/relationships" xmlns:p="http://schemas.openxmlformats.org/presentationml/2006/main">
-  <p:cSld>
-    <p:spTree>
-      <p:nvGrpSpPr>
-        <p:cNvPr id="1" name=""/>
-        <p:cNvGrpSpPr/>
-        <p:nvPr/>
-      </p:nvGrpSpPr>
-      <p:grpSpPr>
-        <a:xfrm>
-          <a:off x="0" y="0"/>
-          <a:ext cx="0" cy="0"/>
-          <a:chOff x="0" y="0"/>
-          <a:chExt cx="0" cy="0"/>
-        </a:xfrm>
-      </p:grpSpPr>
-      <p:sp>
-        <p:nvSpPr>
-          <p:cNvPr id="2" name="Title 1"/>
-          <p:cNvSpPr>
-            <a:spLocks noGrp="1"/>
-          </p:cNvSpPr>
-          <p:nvPr>
-            <p:ph type="title"/>
-          </p:nvPr>
-        </p:nvSpPr>
-        <p:spPr>
-          <a:xfrm>
-            <a:off x="1648434" y="2492534"/>
-            <a:ext cx="9404723" cy="1400530"/>
-          </a:xfrm>
-        </p:spPr>
-        <p:txBody>
-          <a:bodyPr/>
-          <a:lstStyle/>
-          <a:p>
-            <a:pPr algn="ctr"/>
-            <a:r>
-              <a:rPr lang="en-US" sz="8000" dirty="0" smtClean="0"/>
-              <a:t>PREGUNTAS?</a:t>
-            </a:r>
-            <a:endParaRPr lang="es-UY" sz="8000" dirty="0"/>
-          </a:p>
-        </p:txBody>
-      </p:sp>
-    </p:spTree>
-    <p:extLst>
-      <p:ext uri="{BB962C8B-B14F-4D97-AF65-F5344CB8AC3E}">
-        <p14:creationId xmlns:p14="http://schemas.microsoft.com/office/powerpoint/2010/main" val="3905937416"/>
-      </p:ext>
-    </p:extLst>
-  </p:cSld>
-  <p:clrMapOvr>
-    <a:masterClrMapping/>
-  </p:clrMapOvr>
-</p:sld>
-</file>
-
-<file path=ppt/slides/slide32.xml><?xml version="1.0" encoding="utf-8"?>
 <p:sld xmlns:a="http://schemas.openxmlformats.org/drawingml/2006/main" xmlns:r="http://schemas.openxmlformats.org/officeDocument/2006/relationships" xmlns:p="http://schemas.openxmlformats.org/presentationml/2006/main">
   <p:cSld>
     <p:spTree>

--- a/Capa de Presentación.pptx
+++ b/Capa de Presentación.pptx
@@ -5,7 +5,7 @@
     <p:sldMasterId id="2147483648" r:id="rId1"/>
   </p:sldMasterIdLst>
   <p:notesMasterIdLst>
-    <p:notesMasterId r:id="rId32"/>
+    <p:notesMasterId r:id="rId33"/>
   </p:notesMasterIdLst>
   <p:sldIdLst>
     <p:sldId id="256" r:id="rId2"/>
@@ -37,7 +37,8 @@
     <p:sldId id="282" r:id="rId28"/>
     <p:sldId id="286" r:id="rId29"/>
     <p:sldId id="287" r:id="rId30"/>
-    <p:sldId id="288" r:id="rId31"/>
+    <p:sldId id="289" r:id="rId31"/>
+    <p:sldId id="288" r:id="rId32"/>
   </p:sldIdLst>
   <p:sldSz cx="12192000" cy="6858000"/>
   <p:notesSz cx="6858000" cy="9144000"/>
@@ -226,7 +227,7 @@
           <a:p>
             <a:fld id="{0A224CAC-E326-4F97-8620-DFD100AABB1D}" type="datetimeFigureOut">
               <a:rPr lang="es-UY" smtClean="0"/>
-              <a:t>4/5/2016</a:t>
+              <a:t>8/5/2016</a:t>
             </a:fld>
             <a:endParaRPr lang="es-UY"/>
           </a:p>
@@ -860,7 +861,7 @@
           <a:p>
             <a:fld id="{4AAD347D-5ACD-4C99-B74B-A9C85AD731AF}" type="datetimeFigureOut">
               <a:rPr lang="en-US" dirty="0"/>
-              <a:t>04-May-16</a:t>
+              <a:t>08-May-16</a:t>
             </a:fld>
             <a:endParaRPr lang="en-US" dirty="0"/>
           </a:p>
@@ -1130,7 +1131,7 @@
           <a:p>
             <a:fld id="{4509A250-FF31-4206-8172-F9D3106AACB1}" type="datetimeFigureOut">
               <a:rPr lang="en-US" dirty="0"/>
-              <a:t>04-May-16</a:t>
+              <a:t>08-May-16</a:t>
             </a:fld>
             <a:endParaRPr lang="en-US" dirty="0"/>
           </a:p>
@@ -1319,7 +1320,7 @@
           <a:p>
             <a:fld id="{4509A250-FF31-4206-8172-F9D3106AACB1}" type="datetimeFigureOut">
               <a:rPr lang="en-US" dirty="0"/>
-              <a:t>04-May-16</a:t>
+              <a:t>08-May-16</a:t>
             </a:fld>
             <a:endParaRPr lang="en-US" dirty="0"/>
           </a:p>
@@ -1582,7 +1583,7 @@
           <a:p>
             <a:fld id="{4509A250-FF31-4206-8172-F9D3106AACB1}" type="datetimeFigureOut">
               <a:rPr lang="en-US" dirty="0"/>
-              <a:t>04-May-16</a:t>
+              <a:t>08-May-16</a:t>
             </a:fld>
             <a:endParaRPr lang="en-US" dirty="0"/>
           </a:p>
@@ -1909,7 +1910,7 @@
           <a:p>
             <a:fld id="{4509A250-FF31-4206-8172-F9D3106AACB1}" type="datetimeFigureOut">
               <a:rPr lang="en-US" dirty="0"/>
-              <a:t>04-May-16</a:t>
+              <a:t>08-May-16</a:t>
             </a:fld>
             <a:endParaRPr lang="en-US" dirty="0"/>
           </a:p>
@@ -2514,7 +2515,7 @@
           <a:p>
             <a:fld id="{4509A250-FF31-4206-8172-F9D3106AACB1}" type="datetimeFigureOut">
               <a:rPr lang="en-US" dirty="0"/>
-              <a:t>04-May-16</a:t>
+              <a:t>08-May-16</a:t>
             </a:fld>
             <a:endParaRPr lang="en-US" dirty="0"/>
           </a:p>
@@ -3356,7 +3357,7 @@
           <a:p>
             <a:fld id="{4509A250-FF31-4206-8172-F9D3106AACB1}" type="datetimeFigureOut">
               <a:rPr lang="en-US" dirty="0"/>
-              <a:t>04-May-16</a:t>
+              <a:t>08-May-16</a:t>
             </a:fld>
             <a:endParaRPr lang="en-US" dirty="0"/>
           </a:p>
@@ -3521,7 +3522,7 @@
           <a:p>
             <a:fld id="{4509A250-FF31-4206-8172-F9D3106AACB1}" type="datetimeFigureOut">
               <a:rPr lang="en-US" dirty="0"/>
-              <a:t>04-May-16</a:t>
+              <a:t>08-May-16</a:t>
             </a:fld>
             <a:endParaRPr lang="en-US" dirty="0"/>
           </a:p>
@@ -3696,7 +3697,7 @@
           <a:p>
             <a:fld id="{4509A250-FF31-4206-8172-F9D3106AACB1}" type="datetimeFigureOut">
               <a:rPr lang="en-US" dirty="0"/>
-              <a:t>04-May-16</a:t>
+              <a:t>08-May-16</a:t>
             </a:fld>
             <a:endParaRPr lang="en-US" dirty="0"/>
           </a:p>
@@ -3861,7 +3862,7 @@
           <a:p>
             <a:fld id="{4509A250-FF31-4206-8172-F9D3106AACB1}" type="datetimeFigureOut">
               <a:rPr lang="en-US" dirty="0"/>
-              <a:t>04-May-16</a:t>
+              <a:t>08-May-16</a:t>
             </a:fld>
             <a:endParaRPr lang="en-US" dirty="0"/>
           </a:p>
@@ -4100,7 +4101,7 @@
           <a:p>
             <a:fld id="{4509A250-FF31-4206-8172-F9D3106AACB1}" type="datetimeFigureOut">
               <a:rPr lang="en-US" dirty="0"/>
-              <a:t>04-May-16</a:t>
+              <a:t>08-May-16</a:t>
             </a:fld>
             <a:endParaRPr lang="en-US" dirty="0"/>
           </a:p>
@@ -4387,7 +4388,7 @@
           <a:p>
             <a:fld id="{4509A250-FF31-4206-8172-F9D3106AACB1}" type="datetimeFigureOut">
               <a:rPr lang="en-US" dirty="0"/>
-              <a:t>04-May-16</a:t>
+              <a:t>08-May-16</a:t>
             </a:fld>
             <a:endParaRPr lang="en-US" dirty="0"/>
           </a:p>
@@ -4820,7 +4821,7 @@
           <a:p>
             <a:fld id="{4509A250-FF31-4206-8172-F9D3106AACB1}" type="datetimeFigureOut">
               <a:rPr lang="en-US" dirty="0"/>
-              <a:t>04-May-16</a:t>
+              <a:t>08-May-16</a:t>
             </a:fld>
             <a:endParaRPr lang="en-US" dirty="0"/>
           </a:p>
@@ -4933,7 +4934,7 @@
           <a:p>
             <a:fld id="{4509A250-FF31-4206-8172-F9D3106AACB1}" type="datetimeFigureOut">
               <a:rPr lang="en-US" dirty="0"/>
-              <a:t>04-May-16</a:t>
+              <a:t>08-May-16</a:t>
             </a:fld>
             <a:endParaRPr lang="en-US" dirty="0"/>
           </a:p>
@@ -5023,7 +5024,7 @@
           <a:p>
             <a:fld id="{4509A250-FF31-4206-8172-F9D3106AACB1}" type="datetimeFigureOut">
               <a:rPr lang="en-US" dirty="0"/>
-              <a:t>04-May-16</a:t>
+              <a:t>08-May-16</a:t>
             </a:fld>
             <a:endParaRPr lang="en-US" dirty="0"/>
           </a:p>
@@ -5297,7 +5298,7 @@
           <a:p>
             <a:fld id="{4509A250-FF31-4206-8172-F9D3106AACB1}" type="datetimeFigureOut">
               <a:rPr lang="en-US" dirty="0"/>
-              <a:t>04-May-16</a:t>
+              <a:t>08-May-16</a:t>
             </a:fld>
             <a:endParaRPr lang="en-US" dirty="0"/>
           </a:p>
@@ -5567,7 +5568,7 @@
           <a:p>
             <a:fld id="{4509A250-FF31-4206-8172-F9D3106AACB1}" type="datetimeFigureOut">
               <a:rPr lang="en-US" dirty="0"/>
-              <a:t>04-May-16</a:t>
+              <a:t>08-May-16</a:t>
             </a:fld>
             <a:endParaRPr lang="en-US" dirty="0"/>
           </a:p>
@@ -5991,7 +5992,7 @@
           <a:p>
             <a:fld id="{4509A250-FF31-4206-8172-F9D3106AACB1}" type="datetimeFigureOut">
               <a:rPr lang="en-US" dirty="0"/>
-              <a:t>04-May-16</a:t>
+              <a:t>08-May-16</a:t>
             </a:fld>
             <a:endParaRPr lang="en-US" dirty="0"/>
           </a:p>
@@ -9364,6 +9365,129 @@
 </file>
 
 <file path=ppt/slides/slide30.xml><?xml version="1.0" encoding="utf-8"?>
+<p:sld xmlns:a="http://schemas.openxmlformats.org/drawingml/2006/main" xmlns:r="http://schemas.openxmlformats.org/officeDocument/2006/relationships" xmlns:p="http://schemas.openxmlformats.org/presentationml/2006/main">
+  <p:cSld>
+    <p:spTree>
+      <p:nvGrpSpPr>
+        <p:cNvPr id="1" name=""/>
+        <p:cNvGrpSpPr/>
+        <p:nvPr/>
+      </p:nvGrpSpPr>
+      <p:grpSpPr>
+        <a:xfrm>
+          <a:off x="0" y="0"/>
+          <a:ext cx="0" cy="0"/>
+          <a:chOff x="0" y="0"/>
+          <a:chExt cx="0" cy="0"/>
+        </a:xfrm>
+      </p:grpSpPr>
+      <p:sp>
+        <p:nvSpPr>
+          <p:cNvPr id="3" name="Title 2"/>
+          <p:cNvSpPr>
+            <a:spLocks noGrp="1"/>
+          </p:cNvSpPr>
+          <p:nvPr>
+            <p:ph type="title"/>
+          </p:nvPr>
+        </p:nvSpPr>
+        <p:spPr/>
+        <p:txBody>
+          <a:bodyPr/>
+          <a:lstStyle/>
+          <a:p>
+            <a:r>
+              <a:rPr lang="en-US" dirty="0" smtClean="0"/>
+              <a:t>Links </a:t>
+            </a:r>
+            <a:r>
+              <a:rPr lang="en-US" dirty="0" err="1" smtClean="0"/>
+              <a:t>Interesantes</a:t>
+            </a:r>
+            <a:endParaRPr lang="es-UY" dirty="0"/>
+          </a:p>
+        </p:txBody>
+      </p:sp>
+      <p:sp>
+        <p:nvSpPr>
+          <p:cNvPr id="4" name="Content Placeholder 3"/>
+          <p:cNvSpPr>
+            <a:spLocks noGrp="1"/>
+          </p:cNvSpPr>
+          <p:nvPr>
+            <p:ph idx="1"/>
+          </p:nvPr>
+        </p:nvSpPr>
+        <p:spPr/>
+        <p:txBody>
+          <a:bodyPr>
+            <a:normAutofit lnSpcReduction="10000"/>
+          </a:bodyPr>
+          <a:lstStyle/>
+          <a:p>
+            <a:r>
+              <a:rPr lang="es-UY" dirty="0"/>
+              <a:t>http://www.adamcraven.me/a-better-module-structure-for-angular/</a:t>
+            </a:r>
+          </a:p>
+          <a:p>
+            <a:r>
+              <a:rPr lang="es-UY" dirty="0"/>
+              <a:t>http://blog.mgechev.com/2014/07/05/angularjs-in-patterns-part-3/</a:t>
+            </a:r>
+          </a:p>
+          <a:p>
+            <a:r>
+              <a:rPr lang="es-UY" dirty="0"/>
+              <a:t>https://www.funnyant.com/angularjs-ui-router/</a:t>
+            </a:r>
+          </a:p>
+          <a:p>
+            <a:r>
+              <a:rPr lang="es-UY" dirty="0"/>
+              <a:t>https://github.com/angular-ui/ui-router/wiki</a:t>
+            </a:r>
+          </a:p>
+          <a:p>
+            <a:r>
+              <a:rPr lang="es-UY" dirty="0"/>
+              <a:t>http://www.webdeveasy.com/interceptors-in-angularjs-and-useful-examples/</a:t>
+            </a:r>
+          </a:p>
+          <a:p>
+            <a:r>
+              <a:rPr lang="es-UY" dirty="0"/>
+              <a:t>https://www.accelebrate.com/blog/angularjs-transclusion-part-1/</a:t>
+            </a:r>
+          </a:p>
+          <a:p>
+            <a:r>
+              <a:rPr lang="es-UY" dirty="0"/>
+              <a:t>https://www.accelebrate.com/blog/transclusion-angularjs-part-2-2/</a:t>
+            </a:r>
+          </a:p>
+          <a:p>
+            <a:r>
+              <a:rPr lang="es-UY" dirty="0"/>
+              <a:t>https://scotch.io/tutorials/internationalization-of-angularjs-applications</a:t>
+            </a:r>
+          </a:p>
+        </p:txBody>
+      </p:sp>
+    </p:spTree>
+    <p:extLst>
+      <p:ext uri="{BB962C8B-B14F-4D97-AF65-F5344CB8AC3E}">
+        <p14:creationId xmlns:p14="http://schemas.microsoft.com/office/powerpoint/2010/main" val="2107238972"/>
+      </p:ext>
+    </p:extLst>
+  </p:cSld>
+  <p:clrMapOvr>
+    <a:masterClrMapping/>
+  </p:clrMapOvr>
+</p:sld>
+</file>
+
+<file path=ppt/slides/slide31.xml><?xml version="1.0" encoding="utf-8"?>
 <p:sld xmlns:a="http://schemas.openxmlformats.org/drawingml/2006/main" xmlns:r="http://schemas.openxmlformats.org/officeDocument/2006/relationships" xmlns:p="http://schemas.openxmlformats.org/presentationml/2006/main">
   <p:cSld>
     <p:spTree>
